--- a/docs/tutorial Netflix v0.3.pptx
+++ b/docs/tutorial Netflix v0.3.pptx
@@ -726,7 +726,7 @@
           <a:p>
             <a:fld id="{C8D8CA8D-A24D-4A02-A5E0-F566428DF2C7}" type="datetimeFigureOut">
               <a:rPr lang="es-ES" smtClean="0"/>
-              <a:t>04/12/2020</a:t>
+              <a:t>11/12/2020</a:t>
             </a:fld>
             <a:endParaRPr lang="es-ES"/>
           </a:p>
@@ -2468,7 +2468,7 @@
           <a:p>
             <a:fld id="{B729F6EC-2A8A-4685-A5CC-4C078D3A2CF5}" type="datetime1">
               <a:rPr lang="es-ES" smtClean="0"/>
-              <a:t>04/12/2020</a:t>
+              <a:t>11/12/2020</a:t>
             </a:fld>
             <a:endParaRPr lang="es-ES"/>
           </a:p>
@@ -2666,7 +2666,7 @@
           <a:p>
             <a:fld id="{1D878F3A-5C27-408E-92BC-E126F3F920BB}" type="datetime1">
               <a:rPr lang="es-ES" smtClean="0"/>
-              <a:t>04/12/2020</a:t>
+              <a:t>11/12/2020</a:t>
             </a:fld>
             <a:endParaRPr lang="es-ES"/>
           </a:p>
@@ -2846,7 +2846,7 @@
           <a:p>
             <a:fld id="{F439A7AF-D5C8-42E5-AE80-93A72E1C5DD7}" type="datetime1">
               <a:rPr lang="es-ES" smtClean="0"/>
-              <a:t>04/12/2020</a:t>
+              <a:t>11/12/2020</a:t>
             </a:fld>
             <a:endParaRPr lang="es-ES"/>
           </a:p>
@@ -3016,7 +3016,7 @@
           <a:p>
             <a:fld id="{FB206C5F-DBC4-4113-B364-C4B1E5621F6E}" type="datetime1">
               <a:rPr lang="es-ES" smtClean="0"/>
-              <a:t>04/12/2020</a:t>
+              <a:t>11/12/2020</a:t>
             </a:fld>
             <a:endParaRPr lang="es-ES"/>
           </a:p>
@@ -3262,7 +3262,7 @@
           <a:p>
             <a:fld id="{B1CA409D-7472-4F08-8863-6FC7FF7E3A83}" type="datetime1">
               <a:rPr lang="es-ES" smtClean="0"/>
-              <a:t>04/12/2020</a:t>
+              <a:t>11/12/2020</a:t>
             </a:fld>
             <a:endParaRPr lang="es-ES"/>
           </a:p>
@@ -3494,7 +3494,7 @@
           <a:p>
             <a:fld id="{E2FD2A48-485D-4AC9-8F95-986C577714D4}" type="datetime1">
               <a:rPr lang="es-ES" smtClean="0"/>
-              <a:t>04/12/2020</a:t>
+              <a:t>11/12/2020</a:t>
             </a:fld>
             <a:endParaRPr lang="es-ES"/>
           </a:p>
@@ -3861,7 +3861,7 @@
           <a:p>
             <a:fld id="{8D62CE68-642D-4B32-A535-6291AC4DED84}" type="datetime1">
               <a:rPr lang="es-ES" smtClean="0"/>
-              <a:t>04/12/2020</a:t>
+              <a:t>11/12/2020</a:t>
             </a:fld>
             <a:endParaRPr lang="es-ES"/>
           </a:p>
@@ -3979,7 +3979,7 @@
           <a:p>
             <a:fld id="{8EB1AD30-F1FC-4DC6-9391-4AED98923B14}" type="datetime1">
               <a:rPr lang="es-ES" smtClean="0"/>
-              <a:t>04/12/2020</a:t>
+              <a:t>11/12/2020</a:t>
             </a:fld>
             <a:endParaRPr lang="es-ES"/>
           </a:p>
@@ -4074,7 +4074,7 @@
           <a:p>
             <a:fld id="{3B9D662B-9391-4D58-97E4-DDA5F5AA42E0}" type="datetime1">
               <a:rPr lang="es-ES" smtClean="0"/>
-              <a:t>04/12/2020</a:t>
+              <a:t>11/12/2020</a:t>
             </a:fld>
             <a:endParaRPr lang="es-ES"/>
           </a:p>
@@ -4351,7 +4351,7 @@
           <a:p>
             <a:fld id="{E0A4DC58-ABD3-4031-A532-C7CB9CC0CCEB}" type="datetime1">
               <a:rPr lang="es-ES" smtClean="0"/>
-              <a:t>04/12/2020</a:t>
+              <a:t>11/12/2020</a:t>
             </a:fld>
             <a:endParaRPr lang="es-ES"/>
           </a:p>
@@ -4604,7 +4604,7 @@
           <a:p>
             <a:fld id="{EA2831C5-AD0C-42DE-AD62-DC1494605DDC}" type="datetime1">
               <a:rPr lang="es-ES" smtClean="0"/>
-              <a:t>04/12/2020</a:t>
+              <a:t>11/12/2020</a:t>
             </a:fld>
             <a:endParaRPr lang="es-ES"/>
           </a:p>
@@ -4817,7 +4817,7 @@
           <a:p>
             <a:fld id="{F9AEE465-4988-46E7-A384-3EF874E190B1}" type="datetime1">
               <a:rPr lang="es-ES" smtClean="0"/>
-              <a:t>04/12/2020</a:t>
+              <a:t>11/12/2020</a:t>
             </a:fld>
             <a:endParaRPr lang="es-ES"/>
           </a:p>
@@ -8793,16 +8793,23 @@
             <a:r>
               <a:rPr lang="es-ES" sz="1600" dirty="0">
                 <a:solidFill>
-                  <a:srgbClr val="FF0000"/>
-                </a:solidFill>
-              </a:rPr>
-              <a:t>Como administrador quiero añadir más de una categoría a una serie (mejora de la US anterior).</a:t>
-            </a:r>
-            <a:endParaRPr lang="es-ES" sz="1600" dirty="0">
+                  <a:srgbClr val="00B050"/>
+                </a:solidFill>
+              </a:rPr>
+              <a:t>Como administrador quiero añadir más de una categoría a una serie (mejora de la US anterior</a:t>
+            </a:r>
+            <a:r>
+              <a:rPr lang="es-ES" sz="1600" dirty="0" smtClean="0">
+                <a:solidFill>
+                  <a:srgbClr val="00B050"/>
+                </a:solidFill>
+              </a:rPr>
+              <a:t>). </a:t>
+            </a:r>
+            <a:endParaRPr lang="es-ES" sz="1600" dirty="0" smtClean="0">
               <a:solidFill>
-                <a:srgbClr val="FF0000"/>
+                <a:srgbClr val="00B050"/>
               </a:solidFill>
-              <a:cs typeface="Calibri"/>
             </a:endParaRPr>
           </a:p>
           <a:p>
@@ -8814,35 +8821,45 @@
               <a:buChar char="•"/>
             </a:pPr>
             <a:r>
-              <a:rPr lang="es-ES" sz="1600" dirty="0">
+              <a:rPr lang="es-ES" sz="1600" dirty="0" smtClean="0">
+                <a:solidFill>
+                  <a:srgbClr val="00B050"/>
+                </a:solidFill>
+              </a:rPr>
+              <a:t>Como </a:t>
+            </a:r>
+            <a:r>
+              <a:rPr lang="es-ES" sz="1600" dirty="0" smtClean="0">
+                <a:solidFill>
+                  <a:srgbClr val="00B050"/>
+                </a:solidFill>
+              </a:rPr>
+              <a:t>administrador quiero modificar nombres de las series y</a:t>
+            </a:r>
+            <a:r>
+              <a:rPr lang="es-ES" sz="1600" dirty="0" smtClean="0">
                 <a:solidFill>
                   <a:srgbClr val="FF0000"/>
                 </a:solidFill>
               </a:rPr>
-              <a:t>Como </a:t>
+              <a:t> </a:t>
             </a:r>
             <a:r>
               <a:rPr lang="es-ES" sz="1600" dirty="0" smtClean="0">
                 <a:solidFill>
+                  <a:srgbClr val="00B050"/>
+                </a:solidFill>
+              </a:rPr>
+              <a:t>capítulos</a:t>
+            </a:r>
+            <a:r>
+              <a:rPr lang="es-ES" sz="1600" dirty="0" smtClean="0">
+                <a:solidFill>
                   <a:srgbClr val="FF0000"/>
                 </a:solidFill>
               </a:rPr>
-              <a:t>administrador quiero </a:t>
-            </a:r>
-            <a:r>
-              <a:rPr lang="es-ES" sz="1600" dirty="0">
-                <a:solidFill>
-                  <a:srgbClr val="FF0000"/>
-                </a:solidFill>
-              </a:rPr>
-              <a:t>modificar nombres de las series y capítulos.</a:t>
-            </a:r>
-            <a:endParaRPr lang="es-ES" sz="1600" dirty="0">
-              <a:solidFill>
-                <a:srgbClr val="FF0000"/>
-              </a:solidFill>
-              <a:cs typeface="Calibri"/>
-            </a:endParaRPr>
+              <a:t>.</a:t>
+            </a:r>
           </a:p>
           <a:p>
             <a:pPr marL="285750" indent="-285750" algn="just">
@@ -8853,67 +8870,64 @@
               <a:buChar char="•"/>
             </a:pPr>
             <a:r>
+              <a:rPr lang="es-ES" sz="1600" dirty="0" smtClean="0">
+                <a:solidFill>
+                  <a:srgbClr val="00B050"/>
+                </a:solidFill>
+                <a:cs typeface="Calibri"/>
+              </a:rPr>
+              <a:t>Como </a:t>
+            </a:r>
+            <a:r>
+              <a:rPr lang="es-ES" sz="1600" dirty="0" smtClean="0">
+                <a:solidFill>
+                  <a:srgbClr val="00B050"/>
+                </a:solidFill>
+                <a:cs typeface="Calibri"/>
+              </a:rPr>
+              <a:t>administrador quiero </a:t>
+            </a:r>
+            <a:r>
               <a:rPr lang="es-ES" sz="1600" dirty="0">
                 <a:solidFill>
-                  <a:srgbClr val="FF0000"/>
+                  <a:srgbClr val="00B050"/>
                 </a:solidFill>
                 <a:cs typeface="Calibri"/>
               </a:rPr>
-              <a:t>Como </a:t>
+              <a:t>borrar </a:t>
             </a:r>
             <a:r>
               <a:rPr lang="es-ES" sz="1600" dirty="0" smtClean="0">
                 <a:solidFill>
-                  <a:srgbClr val="FF0000"/>
+                  <a:srgbClr val="00B050"/>
                 </a:solidFill>
                 <a:cs typeface="Calibri"/>
               </a:rPr>
-              <a:t>administrador quiero </a:t>
+              <a:t>series (junto a sus temporadas y capítulos) </a:t>
             </a:r>
             <a:r>
               <a:rPr lang="es-ES" sz="1600" dirty="0">
                 <a:solidFill>
-                  <a:srgbClr val="FF0000"/>
+                  <a:srgbClr val="00B050"/>
                 </a:solidFill>
                 <a:cs typeface="Calibri"/>
               </a:rPr>
-              <a:t>borrar </a:t>
+              <a:t>que han dejado de pertenecer a mi plataforma</a:t>
             </a:r>
             <a:r>
               <a:rPr lang="es-ES" sz="1600" dirty="0" smtClean="0">
                 <a:solidFill>
-                  <a:srgbClr val="FF0000"/>
+                  <a:srgbClr val="00B050"/>
                 </a:solidFill>
                 <a:cs typeface="Calibri"/>
               </a:rPr>
-              <a:t>series (junto a sus temporadas y capítulos) </a:t>
-            </a:r>
-            <a:r>
-              <a:rPr lang="es-ES" sz="1600" dirty="0">
-                <a:solidFill>
-                  <a:srgbClr val="FF0000"/>
-                </a:solidFill>
-                <a:cs typeface="Calibri"/>
-              </a:rPr>
-              <a:t>que han dejado de pertenecer a mi plataforma</a:t>
-            </a:r>
-            <a:r>
-              <a:rPr lang="es-ES" sz="1600" dirty="0">
-                <a:solidFill>
-                  <a:schemeClr val="bg1">
-                    <a:lumMod val="50000"/>
-                  </a:schemeClr>
-                </a:solidFill>
-                <a:cs typeface="Calibri"/>
-              </a:rPr>
               <a:t>.</a:t>
             </a:r>
-            <a:endParaRPr lang="es-ES" sz="1600" dirty="0">
+            <a:endParaRPr lang="es-ES" sz="1600" dirty="0" smtClean="0">
               <a:solidFill>
-                <a:schemeClr val="bg1">
-                  <a:lumMod val="50000"/>
-                </a:schemeClr>
+                <a:srgbClr val="00B050"/>
               </a:solidFill>
+              <a:cs typeface="Calibri"/>
             </a:endParaRPr>
           </a:p>
         </p:txBody>
@@ -9136,20 +9150,16 @@
                 <a:spcPct val="150000"/>
               </a:lnSpc>
             </a:pPr>
-            <a:endParaRPr lang="es-ES" sz="1600" dirty="0">
-              <a:solidFill>
-                <a:schemeClr val="bg1">
-                  <a:lumMod val="50000"/>
-                </a:schemeClr>
-              </a:solidFill>
-            </a:endParaRPr>
-          </a:p>
-          <a:p>
-            <a:pPr algn="just">
-              <a:lnSpc>
-                <a:spcPct val="150000"/>
-              </a:lnSpc>
-            </a:pPr>
+            <a:r>
+              <a:rPr lang="es-ES" sz="1600" dirty="0" smtClean="0">
+                <a:solidFill>
+                  <a:schemeClr val="bg1">
+                    <a:lumMod val="50000"/>
+                  </a:schemeClr>
+                </a:solidFill>
+              </a:rPr>
+              <a:t>Junto </a:t>
+            </a:r>
             <a:r>
               <a:rPr lang="es-ES" sz="1600" dirty="0">
                 <a:solidFill>
@@ -9158,7 +9168,7 @@
                   </a:schemeClr>
                 </a:solidFill>
               </a:rPr>
-              <a:t>Junto con el PO, se detallan las siguientes US:</a:t>
+              <a:t>con el PO, se detallan las siguientes US:</a:t>
             </a:r>
             <a:endParaRPr lang="es-ES" sz="1600" dirty="0">
               <a:solidFill>
@@ -9180,14 +9190,14 @@
             <a:r>
               <a:rPr lang="es-ES" sz="1600" dirty="0">
                 <a:solidFill>
-                  <a:srgbClr val="FF0000"/>
+                  <a:srgbClr val="00B050"/>
                 </a:solidFill>
               </a:rPr>
               <a:t>Como usuario quiero consultar el listado total de actores.</a:t>
             </a:r>
             <a:endParaRPr lang="es-ES" sz="1600" dirty="0">
               <a:solidFill>
-                <a:srgbClr val="FF0000"/>
+                <a:srgbClr val="00B050"/>
               </a:solidFill>
               <a:cs typeface="Calibri"/>
             </a:endParaRPr>
@@ -9203,7 +9213,7 @@
             <a:r>
               <a:rPr lang="es-ES" sz="1600" dirty="0">
                 <a:solidFill>
-                  <a:srgbClr val="FF0000"/>
+                  <a:srgbClr val="00B050"/>
                 </a:solidFill>
               </a:rPr>
               <a:t>Como usuario quiero consultar la ficha de un actor concreto</a:t>
@@ -9211,7 +9221,7 @@
             <a:r>
               <a:rPr lang="es-ES" sz="1600" dirty="0" smtClean="0">
                 <a:solidFill>
-                  <a:srgbClr val="FF0000"/>
+                  <a:srgbClr val="00B050"/>
                 </a:solidFill>
               </a:rPr>
               <a:t>.</a:t>
@@ -9228,7 +9238,7 @@
             <a:r>
               <a:rPr lang="es-ES" sz="1600" dirty="0">
                 <a:solidFill>
-                  <a:srgbClr val="FF0000"/>
+                  <a:srgbClr val="00B050"/>
                 </a:solidFill>
               </a:rPr>
               <a:t>Como </a:t>
@@ -9236,17 +9246,11 @@
             <a:r>
               <a:rPr lang="es-ES" sz="1600" dirty="0" smtClean="0">
                 <a:solidFill>
-                  <a:srgbClr val="FF0000"/>
-                </a:solidFill>
-              </a:rPr>
-              <a:t>administrador quiero crear un nuevo actor.</a:t>
-            </a:r>
-            <a:endParaRPr lang="es-ES" sz="1600" dirty="0">
-              <a:solidFill>
-                <a:srgbClr val="FF0000"/>
-              </a:solidFill>
-              <a:cs typeface="Calibri"/>
-            </a:endParaRPr>
+                  <a:srgbClr val="00B050"/>
+                </a:solidFill>
+              </a:rPr>
+              <a:t>administrador quiero crear un nuevo actor. </a:t>
+            </a:r>
           </a:p>
           <a:p>
             <a:pPr marL="285750" indent="-285750" algn="just">
@@ -9257,17 +9261,25 @@
               <a:buChar char="•"/>
             </a:pPr>
             <a:r>
+              <a:rPr lang="es-ES" sz="1600" dirty="0" smtClean="0">
+                <a:solidFill>
+                  <a:srgbClr val="00B050"/>
+                </a:solidFill>
+              </a:rPr>
+              <a:t>Como </a:t>
+            </a:r>
+            <a:r>
               <a:rPr lang="es-ES" sz="1600" dirty="0">
                 <a:solidFill>
-                  <a:srgbClr val="FF0000"/>
-                </a:solidFill>
-              </a:rPr>
-              <a:t>Como administrador </a:t>
+                  <a:srgbClr val="00B050"/>
+                </a:solidFill>
+              </a:rPr>
+              <a:t>administrador </a:t>
             </a:r>
             <a:r>
               <a:rPr lang="es-ES" sz="1600" dirty="0" smtClean="0">
                 <a:solidFill>
-                  <a:srgbClr val="FF0000"/>
+                  <a:srgbClr val="00B050"/>
                 </a:solidFill>
               </a:rPr>
               <a:t>quiero </a:t>
@@ -9275,17 +9287,19 @@
             <a:r>
               <a:rPr lang="es-ES" sz="1600" dirty="0">
                 <a:solidFill>
-                  <a:srgbClr val="FF0000"/>
-                </a:solidFill>
-              </a:rPr>
-              <a:t>modificar los datos de un actor concreto.</a:t>
-            </a:r>
-            <a:endParaRPr lang="es-ES" sz="1600" dirty="0">
-              <a:solidFill>
-                <a:srgbClr val="FF0000"/>
-              </a:solidFill>
-              <a:cs typeface="Calibri"/>
-            </a:endParaRPr>
+                  <a:srgbClr val="00B050"/>
+                </a:solidFill>
+              </a:rPr>
+              <a:t>modificar los datos de un actor concreto</a:t>
+            </a:r>
+            <a:r>
+              <a:rPr lang="es-ES" sz="1600" dirty="0" smtClean="0">
+                <a:solidFill>
+                  <a:srgbClr val="00B050"/>
+                </a:solidFill>
+              </a:rPr>
+              <a:t>. </a:t>
+            </a:r>
           </a:p>
           <a:p>
             <a:pPr marL="285750" indent="-285750" algn="just">
@@ -9298,7 +9312,7 @@
             <a:r>
               <a:rPr lang="es-ES" sz="1600" dirty="0" smtClean="0">
                 <a:solidFill>
-                  <a:srgbClr val="FF0000"/>
+                  <a:srgbClr val="00B050"/>
                 </a:solidFill>
               </a:rPr>
               <a:t>Como </a:t>
@@ -9306,7 +9320,7 @@
             <a:r>
               <a:rPr lang="es-ES" sz="1600" dirty="0">
                 <a:solidFill>
-                  <a:srgbClr val="FF0000"/>
+                  <a:srgbClr val="00B050"/>
                 </a:solidFill>
               </a:rPr>
               <a:t>administrador </a:t>
@@ -9314,7 +9328,7 @@
             <a:r>
               <a:rPr lang="es-ES" sz="1600" dirty="0" smtClean="0">
                 <a:solidFill>
-                  <a:srgbClr val="FF0000"/>
+                  <a:srgbClr val="00B050"/>
                 </a:solidFill>
               </a:rPr>
               <a:t>quiero borrar </a:t>
@@ -9322,17 +9336,19 @@
             <a:r>
               <a:rPr lang="es-ES" sz="1600" dirty="0">
                 <a:solidFill>
-                  <a:srgbClr val="FF0000"/>
-                </a:solidFill>
-              </a:rPr>
-              <a:t>de un actor concreto.</a:t>
-            </a:r>
-            <a:endParaRPr lang="es-ES" sz="1600" dirty="0">
-              <a:solidFill>
-                <a:srgbClr val="FF0000"/>
-              </a:solidFill>
-              <a:cs typeface="Calibri"/>
-            </a:endParaRPr>
+                  <a:srgbClr val="00B050"/>
+                </a:solidFill>
+              </a:rPr>
+              <a:t>de un actor concreto</a:t>
+            </a:r>
+            <a:r>
+              <a:rPr lang="es-ES" sz="1600" dirty="0" smtClean="0">
+                <a:solidFill>
+                  <a:srgbClr val="00B050"/>
+                </a:solidFill>
+              </a:rPr>
+              <a:t>.</a:t>
+            </a:r>
           </a:p>
           <a:p>
             <a:pPr marL="285750" indent="-285750" algn="just">
@@ -9345,9 +9361,7 @@
             <a:r>
               <a:rPr lang="es-ES" sz="1600" dirty="0" smtClean="0">
                 <a:solidFill>
-                  <a:schemeClr val="bg1">
-                    <a:lumMod val="50000"/>
-                  </a:schemeClr>
+                  <a:srgbClr val="FF0000"/>
                 </a:solidFill>
               </a:rPr>
               <a:t>Como </a:t>
@@ -9355,9 +9369,7 @@
             <a:r>
               <a:rPr lang="es-ES" sz="1600" dirty="0">
                 <a:solidFill>
-                  <a:schemeClr val="bg1">
-                    <a:lumMod val="50000"/>
-                  </a:schemeClr>
+                  <a:srgbClr val="FF0000"/>
                 </a:solidFill>
               </a:rPr>
               <a:t>usuario quiero consultar el listado de series y los capítulos </a:t>
@@ -9365,9 +9377,7 @@
             <a:r>
               <a:rPr lang="es-ES" sz="1600" dirty="0" smtClean="0">
                 <a:solidFill>
-                  <a:schemeClr val="bg1">
-                    <a:lumMod val="50000"/>
-                  </a:schemeClr>
+                  <a:srgbClr val="FF0000"/>
                 </a:solidFill>
               </a:rPr>
               <a:t>en la ficha de un actor concreto </a:t>
@@ -9375,9 +9385,7 @@
             <a:r>
               <a:rPr lang="es-ES" sz="1600" dirty="0">
                 <a:solidFill>
-                  <a:schemeClr val="bg1">
-                    <a:lumMod val="50000"/>
-                  </a:schemeClr>
+                  <a:srgbClr val="FF0000"/>
                 </a:solidFill>
               </a:rPr>
               <a:t>(DIFÍCIL</a:t>
@@ -9385,13 +9393,65 @@
             <a:r>
               <a:rPr lang="es-ES" sz="1600" dirty="0" smtClean="0">
                 <a:solidFill>
-                  <a:schemeClr val="bg1">
-                    <a:lumMod val="50000"/>
-                  </a:schemeClr>
-                </a:solidFill>
-              </a:rPr>
-              <a:t>).</a:t>
-            </a:r>
+                  <a:srgbClr val="FF0000"/>
+                </a:solidFill>
+              </a:rPr>
+              <a:t>). </a:t>
+            </a:r>
+          </a:p>
+          <a:p>
+            <a:pPr algn="just">
+              <a:lnSpc>
+                <a:spcPct val="150000"/>
+              </a:lnSpc>
+            </a:pPr>
+            <a:r>
+              <a:rPr lang="es-ES" sz="1600" dirty="0" smtClean="0">
+                <a:solidFill>
+                  <a:schemeClr val="bg1">
+                    <a:lumMod val="50000"/>
+                  </a:schemeClr>
+                </a:solidFill>
+              </a:rPr>
+              <a:t>- </a:t>
+            </a:r>
+            <a:r>
+              <a:rPr lang="es-ES" sz="1600" dirty="0" smtClean="0">
+                <a:solidFill>
+                  <a:schemeClr val="bg1">
+                    <a:lumMod val="50000"/>
+                  </a:schemeClr>
+                </a:solidFill>
+              </a:rPr>
+              <a:t>Falta devolver </a:t>
+            </a:r>
+            <a:r>
+              <a:rPr lang="es-ES" sz="1600" dirty="0" smtClean="0">
+                <a:solidFill>
+                  <a:schemeClr val="bg1">
+                    <a:lumMod val="50000"/>
+                  </a:schemeClr>
+                </a:solidFill>
+              </a:rPr>
+              <a:t>capítulos, preguntar si lo estoy </a:t>
+            </a:r>
+            <a:r>
+              <a:rPr lang="es-ES" sz="1600" dirty="0" smtClean="0">
+                <a:solidFill>
+                  <a:schemeClr val="bg1">
+                    <a:lumMod val="50000"/>
+                  </a:schemeClr>
+                </a:solidFill>
+              </a:rPr>
+              <a:t>haciendo bien</a:t>
+            </a:r>
+            <a:endParaRPr lang="es-ES" sz="1600" dirty="0" smtClean="0">
+              <a:solidFill>
+                <a:schemeClr val="bg1">
+                  <a:lumMod val="50000"/>
+                </a:schemeClr>
+              </a:solidFill>
+            </a:endParaRPr>
           </a:p>
           <a:p>
             <a:pPr marL="285750" indent="-285750" algn="just">
@@ -9404,7 +9464,7 @@
             <a:r>
               <a:rPr lang="es-ES" sz="1600" dirty="0">
                 <a:solidFill>
-                  <a:srgbClr val="FF0000"/>
+                  <a:srgbClr val="00B050"/>
                 </a:solidFill>
               </a:rPr>
               <a:t>Como usuario quiero consultar el listado </a:t>
@@ -9412,7 +9472,7 @@
             <a:r>
               <a:rPr lang="es-ES" sz="1600" dirty="0" smtClean="0">
                 <a:solidFill>
-                  <a:srgbClr val="FF0000"/>
+                  <a:srgbClr val="00B050"/>
                 </a:solidFill>
               </a:rPr>
               <a:t>de premios </a:t>
@@ -9420,7 +9480,7 @@
             <a:r>
               <a:rPr lang="es-ES" sz="1600" dirty="0">
                 <a:solidFill>
-                  <a:srgbClr val="FF0000"/>
+                  <a:srgbClr val="00B050"/>
                 </a:solidFill>
               </a:rPr>
               <a:t>ganados por una serie</a:t>
@@ -9428,14 +9488,14 @@
             <a:r>
               <a:rPr lang="es-ES" sz="1600" dirty="0" smtClean="0">
                 <a:solidFill>
-                  <a:srgbClr val="FF0000"/>
+                  <a:srgbClr val="00B050"/>
                 </a:solidFill>
               </a:rPr>
               <a:t>.</a:t>
             </a:r>
             <a:endParaRPr lang="es-ES" sz="1600" dirty="0">
               <a:solidFill>
-                <a:srgbClr val="FF0000"/>
+                <a:srgbClr val="00B050"/>
               </a:solidFill>
               <a:cs typeface="Calibri"/>
             </a:endParaRPr>
@@ -9674,7 +9734,7 @@
               <a:t>APIs</a:t>
             </a:r>
             <a:r>
-              <a:rPr lang="es-ES" sz="1600" smtClean="0">
+              <a:rPr lang="es-ES" sz="1600" dirty="0" smtClean="0">
                 <a:solidFill>
                   <a:schemeClr val="bg1">
                     <a:lumMod val="50000"/>
